--- a/document/讲义（ppt）/1-DI与容器.pptx
+++ b/document/讲义（ppt）/1-DI与容器.pptx
@@ -3214,11 +3214,11 @@
             </a:r>
             <a:r>
               <a:rPr lang="zh-CN" altLang="en-US"/>
-              <a:t>并发，</a:t>
+              <a:t>并发，多用户：可伸缩性，</a:t>
             </a:r>
             <a:r>
               <a:rPr lang="zh-CN" altLang="en-US"/>
-              <a:t>多用户</a:t>
+              <a:t>分布式</a:t>
             </a:r>
             <a:endParaRPr lang="zh-CN" altLang="en-US"/>
           </a:p>
@@ -3305,12 +3305,6 @@
                 <a:sym typeface="+mn-ea"/>
               </a:rPr>
               <a:t>引用关系，注入：</a:t>
-            </a:r>
-            <a:r>
-              <a:rPr lang="en-US" altLang="zh-CN">
-                <a:sym typeface="+mn-ea"/>
-              </a:rPr>
-              <a:t>@Autowired</a:t>
             </a:r>
             <a:endParaRPr lang="zh-CN" altLang="en-US">
               <a:sym typeface="+mn-ea"/>
